--- a/Document/01_SOP_기능자료/양식.pptx
+++ b/Document/01_SOP_기능자료/양식.pptx
@@ -212,7 +212,7 @@
           <a:p>
             <a:fld id="{D2DF07F7-1ADC-497C-BD21-C19E8EA448D2}" type="datetimeFigureOut">
               <a:rPr lang="ko-KR" altLang="en-US" smtClean="0"/>
-              <a:t>2020-02-05</a:t>
+              <a:t>2020-03-12</a:t>
             </a:fld>
             <a:endParaRPr lang="ko-KR" altLang="en-US"/>
           </a:p>
@@ -1232,7 +1232,7 @@
           <a:p>
             <a:fld id="{311047E0-97B4-4F59-A444-B030B154B2CA}" type="datetimeFigureOut">
               <a:rPr lang="ko-KR" altLang="en-US" smtClean="0"/>
-              <a:t>2020-02-05</a:t>
+              <a:t>2020-03-12</a:t>
             </a:fld>
             <a:endParaRPr lang="ko-KR" altLang="en-US"/>
           </a:p>
@@ -1711,7 +1711,20 @@
                 <a:latin typeface="나눔고딕 Bold" pitchFamily="50" charset="-127"/>
                 <a:ea typeface="나눔고딕 Bold" pitchFamily="50" charset="-127"/>
               </a:rPr>
-              <a:t>유기종 대리</a:t>
+              <a:t>유기종 </a:t>
+            </a:r>
+            <a:r>
+              <a:rPr lang="ko-KR" altLang="en-US" sz="2000" b="1" dirty="0" smtClean="0">
+                <a:solidFill>
+                  <a:schemeClr val="tx1">
+                    <a:lumMod val="75000"/>
+                    <a:lumOff val="25000"/>
+                  </a:schemeClr>
+                </a:solidFill>
+                <a:latin typeface="나눔고딕 Bold" pitchFamily="50" charset="-127"/>
+                <a:ea typeface="나눔고딕 Bold" pitchFamily="50" charset="-127"/>
+              </a:rPr>
+              <a:t>과장</a:t>
             </a:r>
             <a:endParaRPr lang="ko-KR" altLang="en-US" sz="2000" b="1" dirty="0">
               <a:solidFill>
@@ -1759,7 +1772,7 @@
                 <a:latin typeface="나눔고딕 Bold" pitchFamily="50" charset="-127"/>
                 <a:ea typeface="나눔고딕 Bold" pitchFamily="50" charset="-127"/>
               </a:rPr>
-              <a:t>2019.11.29</a:t>
+              <a:t>2020.11.29</a:t>
             </a:r>
             <a:endParaRPr lang="ko-KR" altLang="en-US" sz="2000" b="1" dirty="0">
               <a:solidFill>
@@ -1895,11 +1908,7 @@
           <a:p>
             <a:r>
               <a:rPr lang="en-US" altLang="ko-KR" sz="1600" dirty="0" smtClean="0"/>
-              <a:t>     - </a:t>
-            </a:r>
-            <a:r>
-              <a:rPr lang="en-US" altLang="ko-KR" sz="1600" dirty="0" smtClean="0"/>
-              <a:t>1</a:t>
+              <a:t>     - 1</a:t>
             </a:r>
             <a:endParaRPr lang="en-US" altLang="ko-KR" sz="1600" dirty="0" smtClean="0">
               <a:solidFill>
